--- a/Archivos Varios/presentacion/GESTUS.pptx
+++ b/Archivos Varios/presentacion/GESTUS.pptx
@@ -3413,25 +3413,6 @@
           <a:chExt cx="0" cy="0"/>
         </a:xfrm>
       </p:grpSpPr>
-      <p:sp>
-        <p:nvSpPr>
-          <p:cNvPr id="2" name="Título 1"/>
-          <p:cNvSpPr>
-            <a:spLocks noGrp="1"/>
-          </p:cNvSpPr>
-          <p:nvPr>
-            <p:ph type="title"/>
-          </p:nvPr>
-        </p:nvSpPr>
-        <p:spPr/>
-        <p:txBody>
-          <a:bodyPr/>
-          <a:lstStyle/>
-          <a:p>
-            <a:endParaRPr lang="es-AR"/>
-          </a:p>
-        </p:txBody>
-      </p:sp>
       <p:pic>
         <p:nvPicPr>
           <p:cNvPr id="6" name="Marcador de contenido 5"/>
@@ -3456,8 +3437,8 @@
         </p:blipFill>
         <p:spPr>
           <a:xfrm>
-            <a:off x="838200" y="2140604"/>
-            <a:ext cx="10515600" cy="3721379"/>
+            <a:off x="488755" y="1542939"/>
+            <a:ext cx="11396673" cy="4033183"/>
           </a:xfrm>
         </p:spPr>
       </p:pic>
@@ -3585,25 +3566,6 @@
           <a:chExt cx="0" cy="0"/>
         </a:xfrm>
       </p:grpSpPr>
-      <p:sp>
-        <p:nvSpPr>
-          <p:cNvPr id="2" name="Título 1"/>
-          <p:cNvSpPr>
-            <a:spLocks noGrp="1"/>
-          </p:cNvSpPr>
-          <p:nvPr>
-            <p:ph type="title"/>
-          </p:nvPr>
-        </p:nvSpPr>
-        <p:spPr/>
-        <p:txBody>
-          <a:bodyPr/>
-          <a:lstStyle/>
-          <a:p>
-            <a:endParaRPr lang="es-AR"/>
-          </a:p>
-        </p:txBody>
-      </p:sp>
       <p:pic>
         <p:nvPicPr>
           <p:cNvPr id="6" name="Marcador de contenido 5"/>
@@ -3628,8 +3590,8 @@
         </p:blipFill>
         <p:spPr>
           <a:xfrm>
-            <a:off x="838200" y="2393665"/>
-            <a:ext cx="10515600" cy="3215257"/>
+            <a:off x="127590" y="1730730"/>
+            <a:ext cx="11962296" cy="3657600"/>
           </a:xfrm>
         </p:spPr>
       </p:pic>
@@ -3757,25 +3719,6 @@
           <a:chExt cx="0" cy="0"/>
         </a:xfrm>
       </p:grpSpPr>
-      <p:sp>
-        <p:nvSpPr>
-          <p:cNvPr id="2" name="Título 1"/>
-          <p:cNvSpPr>
-            <a:spLocks noGrp="1"/>
-          </p:cNvSpPr>
-          <p:nvPr>
-            <p:ph type="title"/>
-          </p:nvPr>
-        </p:nvSpPr>
-        <p:spPr/>
-        <p:txBody>
-          <a:bodyPr/>
-          <a:lstStyle/>
-          <a:p>
-            <a:endParaRPr lang="es-AR"/>
-          </a:p>
-        </p:txBody>
-      </p:sp>
       <p:pic>
         <p:nvPicPr>
           <p:cNvPr id="6" name="Marcador de contenido 5"/>
@@ -3800,8 +3743,8 @@
         </p:blipFill>
         <p:spPr>
           <a:xfrm>
-            <a:off x="838200" y="2215040"/>
-            <a:ext cx="10515600" cy="3572508"/>
+            <a:off x="151485" y="1548259"/>
+            <a:ext cx="11840268" cy="4022543"/>
           </a:xfrm>
         </p:spPr>
       </p:pic>
@@ -5626,7 +5569,25 @@
               <a:rPr lang="es-AR" sz="4800" dirty="0" smtClean="0">
                 <a:latin typeface="Bahnschrift" panose="020B0502040204020203" pitchFamily="34" charset="0"/>
               </a:rPr>
-              <a:t>Actualización de la condicen académica</a:t>
+              <a:t>Actualización de </a:t>
+            </a:r>
+            <a:r>
+              <a:rPr lang="es-AR" sz="4800" smtClean="0">
+                <a:latin typeface="Bahnschrift" panose="020B0502040204020203" pitchFamily="34" charset="0"/>
+              </a:rPr>
+              <a:t>la </a:t>
+            </a:r>
+            <a:r>
+              <a:rPr lang="es-AR" sz="4800" smtClean="0">
+                <a:latin typeface="Bahnschrift" panose="020B0502040204020203" pitchFamily="34" charset="0"/>
+              </a:rPr>
+              <a:t>condición </a:t>
+            </a:r>
+            <a:r>
+              <a:rPr lang="es-AR" sz="4800" dirty="0" smtClean="0">
+                <a:latin typeface="Bahnschrift" panose="020B0502040204020203" pitchFamily="34" charset="0"/>
+              </a:rPr>
+              <a:t>académica</a:t>
             </a:r>
             <a:endParaRPr lang="es-AR" sz="4800" dirty="0"/>
           </a:p>
